--- a/Thesis Slide.pptx
+++ b/Thesis Slide.pptx
@@ -18,14 +18,19 @@
     <p:sldId id="266" r:id="rId12"/>
     <p:sldId id="259" r:id="rId13"/>
     <p:sldId id="269" r:id="rId14"/>
-    <p:sldId id="268" r:id="rId15"/>
-    <p:sldId id="271" r:id="rId16"/>
-    <p:sldId id="270" r:id="rId17"/>
-    <p:sldId id="276" r:id="rId18"/>
-    <p:sldId id="273" r:id="rId19"/>
-    <p:sldId id="274" r:id="rId20"/>
-    <p:sldId id="275" r:id="rId21"/>
-    <p:sldId id="267" r:id="rId22"/>
+    <p:sldId id="278" r:id="rId15"/>
+    <p:sldId id="268" r:id="rId16"/>
+    <p:sldId id="279" r:id="rId17"/>
+    <p:sldId id="280" r:id="rId18"/>
+    <p:sldId id="277" r:id="rId19"/>
+    <p:sldId id="281" r:id="rId20"/>
+    <p:sldId id="271" r:id="rId21"/>
+    <p:sldId id="270" r:id="rId22"/>
+    <p:sldId id="276" r:id="rId23"/>
+    <p:sldId id="273" r:id="rId24"/>
+    <p:sldId id="274" r:id="rId25"/>
+    <p:sldId id="275" r:id="rId26"/>
+    <p:sldId id="267" r:id="rId27"/>
   </p:sldIdLst>
   <p:sldSz cx="12192000" cy="6858000"/>
   <p:notesSz cx="6858000" cy="9144000"/>
@@ -855,7 +860,7 @@
             <a:fld id="{B61BEF0D-F0BB-DE4B-95CE-6DB70DBA9567}" type="datetimeFigureOut">
               <a:rPr lang="en-US" smtClean="0"/>
               <a:pPr/>
-              <a:t>3/9/2020</a:t>
+              <a:t>3/10/2020</a:t>
             </a:fld>
             <a:endParaRPr lang="en-US" dirty="0"/>
           </a:p>
@@ -1108,7 +1113,7 @@
             <a:fld id="{B61BEF0D-F0BB-DE4B-95CE-6DB70DBA9567}" type="datetimeFigureOut">
               <a:rPr lang="en-US" smtClean="0"/>
               <a:pPr/>
-              <a:t>3/9/2020</a:t>
+              <a:t>3/10/2020</a:t>
             </a:fld>
             <a:endParaRPr lang="en-US" dirty="0"/>
           </a:p>
@@ -1424,7 +1429,7 @@
             <a:fld id="{B61BEF0D-F0BB-DE4B-95CE-6DB70DBA9567}" type="datetimeFigureOut">
               <a:rPr lang="en-US" smtClean="0"/>
               <a:pPr/>
-              <a:t>3/9/2020</a:t>
+              <a:t>3/10/2020</a:t>
             </a:fld>
             <a:endParaRPr lang="en-US" dirty="0"/>
           </a:p>
@@ -1767,7 +1772,7 @@
             <a:fld id="{B61BEF0D-F0BB-DE4B-95CE-6DB70DBA9567}" type="datetimeFigureOut">
               <a:rPr lang="en-US" smtClean="0"/>
               <a:pPr/>
-              <a:t>3/9/2020</a:t>
+              <a:t>3/10/2020</a:t>
             </a:fld>
             <a:endParaRPr lang="en-US" dirty="0"/>
           </a:p>
@@ -2083,7 +2088,7 @@
             <a:fld id="{B61BEF0D-F0BB-DE4B-95CE-6DB70DBA9567}" type="datetimeFigureOut">
               <a:rPr lang="en-US" smtClean="0"/>
               <a:pPr/>
-              <a:t>3/9/2020</a:t>
+              <a:t>3/10/2020</a:t>
             </a:fld>
             <a:endParaRPr lang="en-US" dirty="0"/>
           </a:p>
@@ -2478,7 +2483,7 @@
             <a:fld id="{B61BEF0D-F0BB-DE4B-95CE-6DB70DBA9567}" type="datetimeFigureOut">
               <a:rPr lang="en-US" smtClean="0"/>
               <a:pPr/>
-              <a:t>3/9/2020</a:t>
+              <a:t>3/10/2020</a:t>
             </a:fld>
             <a:endParaRPr lang="en-US" dirty="0"/>
           </a:p>
@@ -2649,7 +2654,7 @@
           <a:p>
             <a:fld id="{55C6B4A9-1611-4792-9094-5F34BCA07E0B}" type="datetimeFigureOut">
               <a:rPr lang="en-US" smtClean="0"/>
-              <a:t>3/9/2020</a:t>
+              <a:t>3/10/2020</a:t>
             </a:fld>
             <a:endParaRPr lang="en-US" dirty="0"/>
           </a:p>
@@ -2830,7 +2835,7 @@
             <a:fld id="{B61BEF0D-F0BB-DE4B-95CE-6DB70DBA9567}" type="datetimeFigureOut">
               <a:rPr lang="en-US" smtClean="0"/>
               <a:pPr/>
-              <a:t>3/9/2020</a:t>
+              <a:t>3/10/2020</a:t>
             </a:fld>
             <a:endParaRPr lang="en-US" dirty="0"/>
           </a:p>
@@ -3006,7 +3011,7 @@
           <a:p>
             <a:fld id="{42A54C80-263E-416B-A8E0-580EDEADCBDC}" type="datetimeFigureOut">
               <a:rPr lang="en-US" smtClean="0"/>
-              <a:t>3/9/2020</a:t>
+              <a:t>3/10/2020</a:t>
             </a:fld>
             <a:endParaRPr lang="en-US" dirty="0"/>
           </a:p>
@@ -3254,7 +3259,7 @@
             <a:fld id="{B61BEF0D-F0BB-DE4B-95CE-6DB70DBA9567}" type="datetimeFigureOut">
               <a:rPr lang="en-US" smtClean="0"/>
               <a:pPr/>
-              <a:t>3/9/2020</a:t>
+              <a:t>3/10/2020</a:t>
             </a:fld>
             <a:endParaRPr lang="en-US" dirty="0"/>
           </a:p>
@@ -3487,7 +3492,7 @@
           <a:p>
             <a:fld id="{42A54C80-263E-416B-A8E0-580EDEADCBDC}" type="datetimeFigureOut">
               <a:rPr lang="en-US" smtClean="0"/>
-              <a:t>3/9/2020</a:t>
+              <a:t>3/10/2020</a:t>
             </a:fld>
             <a:endParaRPr lang="en-US" dirty="0"/>
           </a:p>
@@ -3862,7 +3867,7 @@
             <a:fld id="{B61BEF0D-F0BB-DE4B-95CE-6DB70DBA9567}" type="datetimeFigureOut">
               <a:rPr lang="en-US" smtClean="0"/>
               <a:pPr/>
-              <a:t>3/9/2020</a:t>
+              <a:t>3/10/2020</a:t>
             </a:fld>
             <a:endParaRPr lang="en-US" dirty="0"/>
           </a:p>
@@ -3987,7 +3992,7 @@
             <a:fld id="{B61BEF0D-F0BB-DE4B-95CE-6DB70DBA9567}" type="datetimeFigureOut">
               <a:rPr lang="en-US" smtClean="0"/>
               <a:pPr/>
-              <a:t>3/9/2020</a:t>
+              <a:t>3/10/2020</a:t>
             </a:fld>
             <a:endParaRPr lang="en-US" dirty="0"/>
           </a:p>
@@ -4084,7 +4089,7 @@
             <a:fld id="{B61BEF0D-F0BB-DE4B-95CE-6DB70DBA9567}" type="datetimeFigureOut">
               <a:rPr lang="en-US" smtClean="0"/>
               <a:pPr/>
-              <a:t>3/9/2020</a:t>
+              <a:t>3/10/2020</a:t>
             </a:fld>
             <a:endParaRPr lang="en-US" dirty="0"/>
           </a:p>
@@ -4340,7 +4345,7 @@
           <a:p>
             <a:fld id="{42A54C80-263E-416B-A8E0-580EDEADCBDC}" type="datetimeFigureOut">
               <a:rPr lang="en-US" smtClean="0"/>
-              <a:t>3/9/2020</a:t>
+              <a:t>3/10/2020</a:t>
             </a:fld>
             <a:endParaRPr lang="en-US" dirty="0"/>
           </a:p>
@@ -4604,7 +4609,7 @@
             <a:fld id="{B61BEF0D-F0BB-DE4B-95CE-6DB70DBA9567}" type="datetimeFigureOut">
               <a:rPr lang="en-US" smtClean="0"/>
               <a:pPr/>
-              <a:t>3/9/2020</a:t>
+              <a:t>3/10/2020</a:t>
             </a:fld>
             <a:endParaRPr lang="en-US" dirty="0"/>
           </a:p>
@@ -5348,7 +5353,7 @@
             <a:fld id="{B61BEF0D-F0BB-DE4B-95CE-6DB70DBA9567}" type="datetimeFigureOut">
               <a:rPr lang="en-US" smtClean="0"/>
               <a:pPr/>
-              <a:t>3/9/2020</a:t>
+              <a:t>3/10/2020</a:t>
             </a:fld>
             <a:endParaRPr lang="en-US" dirty="0"/>
           </a:p>
@@ -6403,8 +6408,21 @@
             </a:pPr>
             <a:r>
               <a:rPr lang="en-US" sz="2000" dirty="0"/>
-              <a:t> A software to build and visualize ontology.</a:t>
-            </a:r>
+              <a:t> A software to build and visualize </a:t>
+            </a:r>
+            <a:r>
+              <a:rPr lang="en-US" sz="2000" dirty="0" smtClean="0"/>
+              <a:t>ontology using </a:t>
+            </a:r>
+            <a:r>
+              <a:rPr lang="en-US" sz="2000" dirty="0" err="1" smtClean="0"/>
+              <a:t>ontograph</a:t>
+            </a:r>
+            <a:r>
+              <a:rPr lang="en-US" sz="2000" dirty="0" smtClean="0"/>
+              <a:t>.</a:t>
+            </a:r>
+            <a:endParaRPr lang="en-US" sz="2000" dirty="0"/>
           </a:p>
         </p:txBody>
       </p:sp>
@@ -6896,6 +6914,11 @@
               <a:rPr lang="en-US" sz="2000" dirty="0"/>
               <a:t>Concepts </a:t>
             </a:r>
+            <a:r>
+              <a:rPr lang="en-US" sz="2000" dirty="0" smtClean="0"/>
+              <a:t>– In class diagram notation a concept is a node</a:t>
+            </a:r>
+            <a:endParaRPr lang="en-US" sz="2000" dirty="0"/>
           </a:p>
           <a:p>
             <a:pPr lvl="2">
@@ -6933,23 +6956,18 @@
               <a:buChar char="•"/>
             </a:pPr>
             <a:r>
-              <a:rPr lang="en-US" sz="1800" dirty="0"/>
+              <a:rPr lang="en-US" sz="1800" dirty="0" smtClean="0"/>
               <a:t>Quality</a:t>
             </a:r>
-          </a:p>
-          <a:p>
-            <a:pPr lvl="2">
-              <a:buFont typeface="Arial" panose="020B0604020202020204" pitchFamily="34" charset="0"/>
-              <a:buChar char="•"/>
-            </a:pPr>
             <a:endParaRPr lang="en-US" sz="1800" dirty="0"/>
           </a:p>
           <a:p>
             <a:pPr lvl="1"/>
             <a:r>
-              <a:rPr lang="en-US" sz="2000" dirty="0"/>
-              <a:t>Relationships </a:t>
-            </a:r>
+              <a:rPr lang="en-US" sz="2000" dirty="0" smtClean="0"/>
+              <a:t>Relationship – In class diagram notation a relationship is an arc 					 between two concepts</a:t>
+            </a:r>
+            <a:endParaRPr lang="en-US" sz="2000" dirty="0"/>
           </a:p>
           <a:p>
             <a:pPr lvl="2">
@@ -7482,7 +7500,7 @@
                                         <p:tgtEl>
                                           <p:spTgt spid="3">
                                             <p:txEl>
-                                              <p:pRg st="6" end="6"/>
+                                              <p:pRg st="5" end="5"/>
                                             </p:txEl>
                                           </p:spTgt>
                                         </p:tgtEl>
@@ -7500,7 +7518,7 @@
                                         <p:tgtEl>
                                           <p:spTgt spid="3">
                                             <p:txEl>
-                                              <p:pRg st="6" end="6"/>
+                                              <p:pRg st="5" end="5"/>
                                             </p:txEl>
                                           </p:spTgt>
                                         </p:tgtEl>
@@ -7527,7 +7545,7 @@
                                         <p:tgtEl>
                                           <p:spTgt spid="3">
                                             <p:txEl>
-                                              <p:pRg st="6" end="6"/>
+                                              <p:pRg st="5" end="5"/>
                                             </p:txEl>
                                           </p:spTgt>
                                         </p:tgtEl>
@@ -7567,7 +7585,7 @@
                                         <p:tgtEl>
                                           <p:spTgt spid="3">
                                             <p:txEl>
-                                              <p:pRg st="7" end="7"/>
+                                              <p:pRg st="6" end="6"/>
                                             </p:txEl>
                                           </p:spTgt>
                                         </p:tgtEl>
@@ -7585,7 +7603,7 @@
                                         <p:tgtEl>
                                           <p:spTgt spid="3">
                                             <p:txEl>
-                                              <p:pRg st="7" end="7"/>
+                                              <p:pRg st="6" end="6"/>
                                             </p:txEl>
                                           </p:spTgt>
                                         </p:tgtEl>
@@ -7612,7 +7630,7 @@
                                         <p:tgtEl>
                                           <p:spTgt spid="3">
                                             <p:txEl>
-                                              <p:pRg st="7" end="7"/>
+                                              <p:pRg st="6" end="6"/>
                                             </p:txEl>
                                           </p:spTgt>
                                         </p:tgtEl>
@@ -7652,7 +7670,7 @@
                                         <p:tgtEl>
                                           <p:spTgt spid="3">
                                             <p:txEl>
-                                              <p:pRg st="8" end="8"/>
+                                              <p:pRg st="7" end="7"/>
                                             </p:txEl>
                                           </p:spTgt>
                                         </p:tgtEl>
@@ -7670,7 +7688,7 @@
                                         <p:tgtEl>
                                           <p:spTgt spid="3">
                                             <p:txEl>
-                                              <p:pRg st="8" end="8"/>
+                                              <p:pRg st="7" end="7"/>
                                             </p:txEl>
                                           </p:spTgt>
                                         </p:tgtEl>
@@ -7697,7 +7715,7 @@
                                         <p:tgtEl>
                                           <p:spTgt spid="3">
                                             <p:txEl>
-                                              <p:pRg st="8" end="8"/>
+                                              <p:pRg st="7" end="7"/>
                                             </p:txEl>
                                           </p:spTgt>
                                         </p:tgtEl>
@@ -7737,7 +7755,7 @@
                                         <p:tgtEl>
                                           <p:spTgt spid="3">
                                             <p:txEl>
-                                              <p:pRg st="9" end="9"/>
+                                              <p:pRg st="8" end="8"/>
                                             </p:txEl>
                                           </p:spTgt>
                                         </p:tgtEl>
@@ -7755,7 +7773,7 @@
                                         <p:tgtEl>
                                           <p:spTgt spid="3">
                                             <p:txEl>
-                                              <p:pRg st="9" end="9"/>
+                                              <p:pRg st="8" end="8"/>
                                             </p:txEl>
                                           </p:spTgt>
                                         </p:tgtEl>
@@ -7782,7 +7800,7 @@
                                         <p:tgtEl>
                                           <p:spTgt spid="3">
                                             <p:txEl>
-                                              <p:pRg st="9" end="9"/>
+                                              <p:pRg st="8" end="8"/>
                                             </p:txEl>
                                           </p:spTgt>
                                         </p:tgtEl>
@@ -7822,7 +7840,7 @@
                                         <p:tgtEl>
                                           <p:spTgt spid="3">
                                             <p:txEl>
-                                              <p:pRg st="10" end="10"/>
+                                              <p:pRg st="9" end="9"/>
                                             </p:txEl>
                                           </p:spTgt>
                                         </p:tgtEl>
@@ -7840,7 +7858,7 @@
                                         <p:tgtEl>
                                           <p:spTgt spid="3">
                                             <p:txEl>
-                                              <p:pRg st="10" end="10"/>
+                                              <p:pRg st="9" end="9"/>
                                             </p:txEl>
                                           </p:spTgt>
                                         </p:tgtEl>
@@ -7867,7 +7885,7 @@
                                         <p:tgtEl>
                                           <p:spTgt spid="3">
                                             <p:txEl>
-                                              <p:pRg st="10" end="10"/>
+                                              <p:pRg st="9" end="9"/>
                                             </p:txEl>
                                           </p:spTgt>
                                         </p:tgtEl>
@@ -7959,13 +7977,154 @@
           <a:p>
             <a:r>
               <a:rPr lang="en-US" dirty="0"/>
-              <a:t>Related Theories</a:t>
-            </a:r>
+              <a:t>Related </a:t>
+            </a:r>
+            <a:r>
+              <a:rPr lang="en-US" dirty="0" smtClean="0"/>
+              <a:t>Theories</a:t>
+            </a:r>
+            <a:br>
+              <a:rPr lang="en-US" dirty="0" smtClean="0"/>
+            </a:br>
+            <a:endParaRPr lang="en-US" dirty="0"/>
           </a:p>
         </p:txBody>
       </p:sp>
-      <mc:AlternateContent xmlns:mc="http://schemas.openxmlformats.org/markup-compatibility/2006" xmlns:a14="http://schemas.microsoft.com/office/drawing/2010/main">
-        <mc:Choice Requires="a14">
+      <p:sp>
+        <p:nvSpPr>
+          <p:cNvPr id="3" name="Content Placeholder 2"/>
+          <p:cNvSpPr>
+            <a:spLocks noGrp="1"/>
+          </p:cNvSpPr>
+          <p:nvPr>
+            <p:ph idx="1"/>
+          </p:nvPr>
+        </p:nvSpPr>
+        <p:spPr>
+          <a:xfrm>
+            <a:off x="677334" y="1930400"/>
+            <a:ext cx="8596668" cy="3880773"/>
+          </a:xfrm>
+        </p:spPr>
+        <p:txBody>
+          <a:bodyPr/>
+          <a:lstStyle/>
+          <a:p>
+            <a:pPr marL="0" indent="0">
+              <a:buNone/>
+            </a:pPr>
+            <a:r>
+              <a:rPr lang="en-US" sz="2400" dirty="0" smtClean="0"/>
+              <a:t>Example of concepts: </a:t>
+            </a:r>
+          </a:p>
+          <a:p>
+            <a:r>
+              <a:rPr lang="en-US" sz="2400" dirty="0" smtClean="0"/>
+              <a:t>function(play)</a:t>
+            </a:r>
+          </a:p>
+          <a:p>
+            <a:r>
+              <a:rPr lang="en-US" sz="2400" dirty="0"/>
+              <a:t>o</a:t>
+            </a:r>
+            <a:r>
+              <a:rPr lang="en-US" sz="2400" dirty="0" smtClean="0"/>
+              <a:t>bject(music)</a:t>
+            </a:r>
+          </a:p>
+          <a:p>
+            <a:pPr marL="0" indent="0">
+              <a:buNone/>
+            </a:pPr>
+            <a:endParaRPr lang="en-US" sz="2400" dirty="0" smtClean="0"/>
+          </a:p>
+          <a:p>
+            <a:pPr marL="0" indent="0">
+              <a:buNone/>
+            </a:pPr>
+            <a:r>
+              <a:rPr lang="en-US" sz="2400" dirty="0" smtClean="0"/>
+              <a:t>Example of relationship:</a:t>
+            </a:r>
+          </a:p>
+          <a:p>
+            <a:r>
+              <a:rPr lang="en-US" sz="2400" dirty="0" smtClean="0"/>
+              <a:t>apply(delete</a:t>
+            </a:r>
+            <a:r>
+              <a:rPr lang="en-US" sz="2400" dirty="0"/>
+              <a:t>, </a:t>
+            </a:r>
+            <a:r>
+              <a:rPr lang="en-US" sz="2400" dirty="0" smtClean="0"/>
+              <a:t>file)</a:t>
+            </a:r>
+          </a:p>
+          <a:p>
+            <a:r>
+              <a:rPr lang="en-US" sz="2400" dirty="0" smtClean="0"/>
+              <a:t>require(player, codec)</a:t>
+            </a:r>
+          </a:p>
+        </p:txBody>
+      </p:sp>
+    </p:spTree>
+    <p:extLst>
+      <p:ext uri="{BB962C8B-B14F-4D97-AF65-F5344CB8AC3E}">
+        <p14:creationId xmlns:p14="http://schemas.microsoft.com/office/powerpoint/2010/main" val="2772677630"/>
+      </p:ext>
+    </p:extLst>
+  </p:cSld>
+  <p:clrMapOvr>
+    <a:masterClrMapping/>
+  </p:clrMapOvr>
+</p:sld>
+</file>
+
+<file path=ppt/slides/slide15.xml><?xml version="1.0" encoding="utf-8"?>
+<p:sld xmlns:a="http://schemas.openxmlformats.org/drawingml/2006/main" xmlns:r="http://schemas.openxmlformats.org/officeDocument/2006/relationships" xmlns:p="http://schemas.openxmlformats.org/presentationml/2006/main">
+  <p:cSld>
+    <p:spTree>
+      <p:nvGrpSpPr>
+        <p:cNvPr id="1" name=""/>
+        <p:cNvGrpSpPr/>
+        <p:nvPr/>
+      </p:nvGrpSpPr>
+      <p:grpSpPr>
+        <a:xfrm>
+          <a:off x="0" y="0"/>
+          <a:ext cx="0" cy="0"/>
+          <a:chOff x="0" y="0"/>
+          <a:chExt cx="0" cy="0"/>
+        </a:xfrm>
+      </p:grpSpPr>
+      <p:sp>
+        <p:nvSpPr>
+          <p:cNvPr id="2" name="Title 1"/>
+          <p:cNvSpPr>
+            <a:spLocks noGrp="1"/>
+          </p:cNvSpPr>
+          <p:nvPr>
+            <p:ph type="title"/>
+          </p:nvPr>
+        </p:nvSpPr>
+        <p:spPr/>
+        <p:txBody>
+          <a:bodyPr/>
+          <a:lstStyle/>
+          <a:p>
+            <a:r>
+              <a:rPr lang="en-US" dirty="0"/>
+              <a:t>Related Theories</a:t>
+            </a:r>
+          </a:p>
+        </p:txBody>
+      </p:sp>
+      <mc:AlternateContent xmlns:mc="http://schemas.openxmlformats.org/markup-compatibility/2006">
+        <mc:Choice xmlns:a14="http://schemas.microsoft.com/office/drawing/2010/main" Requires="a14">
           <p:sp>
             <p:nvSpPr>
               <p:cNvPr id="3" name="Content Placeholder 2"/>
@@ -8013,9 +8172,14 @@
                   <a:buChar char="•"/>
                 </a:pPr>
                 <a:r>
+                  <a:rPr lang="en-US" dirty="0" smtClean="0"/>
+                  <a:t>Correctness</a:t>
+                </a:r>
+                <a:r>
                   <a:rPr lang="en-US" dirty="0"/>
-                  <a:t>Correctness, </a:t>
+                  <a:t>:</a:t>
                 </a:r>
+                <a:endParaRPr lang="en-US" dirty="0"/>
               </a:p>
               <a:p>
                 <a:pPr marL="0" indent="0">
@@ -8252,9 +8416,10 @@
                   <a:buChar char="•"/>
                 </a:pPr>
                 <a:r>
-                  <a:rPr lang="en-US" dirty="0"/>
-                  <a:t>Completeness,</a:t>
+                  <a:rPr lang="en-US" dirty="0" smtClean="0"/>
+                  <a:t>Completeness:</a:t>
                 </a:r>
+                <a:endParaRPr lang="en-US" dirty="0"/>
               </a:p>
               <a:p>
                 <a:pPr marL="0" indent="0">
@@ -8503,9 +8668,10 @@
                   <a:buChar char="•"/>
                 </a:pPr>
                 <a:r>
-                  <a:rPr lang="en-US" dirty="0"/>
-                  <a:t>Consistency,</a:t>
+                  <a:rPr lang="en-US" dirty="0" smtClean="0"/>
+                  <a:t>Consistency:</a:t>
                 </a:r>
+                <a:endParaRPr lang="en-US" dirty="0"/>
               </a:p>
               <a:p>
                 <a:pPr marL="0" indent="0">
@@ -8904,7 +9070,7 @@
             </p:txBody>
           </p:sp>
         </mc:Choice>
-        <mc:Fallback xmlns="">
+        <mc:Fallback>
           <p:sp>
             <p:nvSpPr>
               <p:cNvPr id="3" name="Content Placeholder 2"/>
@@ -8920,7 +9086,7 @@
                 <a:off x="677333" y="1561515"/>
                 <a:ext cx="9342429" cy="5167898"/>
               </a:xfrm>
-              <a:blipFill>
+              <a:blipFill rotWithShape="0">
                 <a:blip r:embed="rId2"/>
                 <a:stretch>
                   <a:fillRect l="-522" t="-1651"/>
@@ -9658,7 +9824,1009 @@
 </p:sld>
 </file>
 
-<file path=ppt/slides/slide15.xml><?xml version="1.0" encoding="utf-8"?>
+<file path=ppt/slides/slide16.xml><?xml version="1.0" encoding="utf-8"?>
+<p:sld xmlns:a="http://schemas.openxmlformats.org/drawingml/2006/main" xmlns:r="http://schemas.openxmlformats.org/officeDocument/2006/relationships" xmlns:p="http://schemas.openxmlformats.org/presentationml/2006/main">
+  <p:cSld>
+    <p:spTree>
+      <p:nvGrpSpPr>
+        <p:cNvPr id="1" name=""/>
+        <p:cNvGrpSpPr/>
+        <p:nvPr/>
+      </p:nvGrpSpPr>
+      <p:grpSpPr>
+        <a:xfrm>
+          <a:off x="0" y="0"/>
+          <a:ext cx="0" cy="0"/>
+          <a:chOff x="0" y="0"/>
+          <a:chExt cx="0" cy="0"/>
+        </a:xfrm>
+      </p:grpSpPr>
+      <p:sp>
+        <p:nvSpPr>
+          <p:cNvPr id="2" name="Title 1"/>
+          <p:cNvSpPr>
+            <a:spLocks noGrp="1"/>
+          </p:cNvSpPr>
+          <p:nvPr>
+            <p:ph type="title"/>
+          </p:nvPr>
+        </p:nvSpPr>
+        <p:spPr/>
+        <p:txBody>
+          <a:bodyPr/>
+          <a:lstStyle/>
+          <a:p>
+            <a:r>
+              <a:rPr lang="en-US" dirty="0" smtClean="0"/>
+              <a:t>Related Theories</a:t>
+            </a:r>
+            <a:endParaRPr lang="en-US" dirty="0"/>
+          </a:p>
+        </p:txBody>
+      </p:sp>
+      <p:pic>
+        <p:nvPicPr>
+          <p:cNvPr id="4" name="Content Placeholder 3"/>
+          <p:cNvPicPr>
+            <a:picLocks noGrp="1" noChangeAspect="1"/>
+          </p:cNvPicPr>
+          <p:nvPr>
+            <p:ph idx="1"/>
+          </p:nvPr>
+        </p:nvPicPr>
+        <p:blipFill>
+          <a:blip r:embed="rId2">
+            <a:extLst>
+              <a:ext uri="{28A0092B-C50C-407E-A947-70E740481C1C}">
+                <a14:useLocalDpi xmlns:a14="http://schemas.microsoft.com/office/drawing/2010/main" val="0"/>
+              </a:ext>
+            </a:extLst>
+          </a:blip>
+          <a:stretch>
+            <a:fillRect/>
+          </a:stretch>
+        </p:blipFill>
+        <p:spPr>
+          <a:xfrm>
+            <a:off x="3763676" y="1370879"/>
+            <a:ext cx="2423984" cy="5043776"/>
+          </a:xfrm>
+        </p:spPr>
+      </p:pic>
+      <p:sp>
+        <p:nvSpPr>
+          <p:cNvPr id="5" name="TextBox 4"/>
+          <p:cNvSpPr txBox="1"/>
+          <p:nvPr/>
+        </p:nvSpPr>
+        <p:spPr>
+          <a:xfrm>
+            <a:off x="2812473" y="6414655"/>
+            <a:ext cx="4849090" cy="369332"/>
+          </a:xfrm>
+          <a:prstGeom prst="rect">
+            <a:avLst/>
+          </a:prstGeom>
+          <a:noFill/>
+        </p:spPr>
+        <p:txBody>
+          <a:bodyPr wrap="square" rtlCol="0">
+            <a:spAutoFit/>
+          </a:bodyPr>
+          <a:lstStyle/>
+          <a:p>
+            <a:r>
+              <a:rPr lang="en-US" dirty="0" smtClean="0"/>
+              <a:t>Fig: Procedure for requirements elicitation</a:t>
+            </a:r>
+            <a:endParaRPr lang="en-US" dirty="0"/>
+          </a:p>
+        </p:txBody>
+      </p:sp>
+    </p:spTree>
+    <p:extLst>
+      <p:ext uri="{BB962C8B-B14F-4D97-AF65-F5344CB8AC3E}">
+        <p14:creationId xmlns:p14="http://schemas.microsoft.com/office/powerpoint/2010/main" val="4079587811"/>
+      </p:ext>
+    </p:extLst>
+  </p:cSld>
+  <p:clrMapOvr>
+    <a:masterClrMapping/>
+  </p:clrMapOvr>
+</p:sld>
+</file>
+
+<file path=ppt/slides/slide17.xml><?xml version="1.0" encoding="utf-8"?>
+<p:sld xmlns:a="http://schemas.openxmlformats.org/drawingml/2006/main" xmlns:r="http://schemas.openxmlformats.org/officeDocument/2006/relationships" xmlns:p="http://schemas.openxmlformats.org/presentationml/2006/main">
+  <p:cSld>
+    <p:spTree>
+      <p:nvGrpSpPr>
+        <p:cNvPr id="1" name=""/>
+        <p:cNvGrpSpPr/>
+        <p:nvPr/>
+      </p:nvGrpSpPr>
+      <p:grpSpPr>
+        <a:xfrm>
+          <a:off x="0" y="0"/>
+          <a:ext cx="0" cy="0"/>
+          <a:chOff x="0" y="0"/>
+          <a:chExt cx="0" cy="0"/>
+        </a:xfrm>
+      </p:grpSpPr>
+      <p:sp>
+        <p:nvSpPr>
+          <p:cNvPr id="2" name="Title 1"/>
+          <p:cNvSpPr>
+            <a:spLocks noGrp="1"/>
+          </p:cNvSpPr>
+          <p:nvPr>
+            <p:ph type="title"/>
+          </p:nvPr>
+        </p:nvSpPr>
+        <p:spPr/>
+        <p:txBody>
+          <a:bodyPr/>
+          <a:lstStyle/>
+          <a:p>
+            <a:r>
+              <a:rPr lang="en-US" dirty="0" smtClean="0"/>
+              <a:t>Related Theories</a:t>
+            </a:r>
+            <a:endParaRPr lang="en-US" dirty="0"/>
+          </a:p>
+        </p:txBody>
+      </p:sp>
+      <p:sp>
+        <p:nvSpPr>
+          <p:cNvPr id="3" name="Content Placeholder 2"/>
+          <p:cNvSpPr>
+            <a:spLocks noGrp="1"/>
+          </p:cNvSpPr>
+          <p:nvPr>
+            <p:ph idx="1"/>
+          </p:nvPr>
+        </p:nvSpPr>
+        <p:spPr>
+          <a:xfrm>
+            <a:off x="663479" y="2160589"/>
+            <a:ext cx="8596668" cy="3880773"/>
+          </a:xfrm>
+        </p:spPr>
+        <p:txBody>
+          <a:bodyPr/>
+          <a:lstStyle/>
+          <a:p>
+            <a:r>
+              <a:rPr lang="en-US" sz="2000" dirty="0" smtClean="0"/>
+              <a:t>Update the requirement list</a:t>
+            </a:r>
+          </a:p>
+          <a:p>
+            <a:pPr lvl="1">
+              <a:buFont typeface="Arial" panose="020B0604020202020204" pitchFamily="34" charset="0"/>
+              <a:buChar char="•"/>
+            </a:pPr>
+            <a:r>
+              <a:rPr lang="en-US" sz="1800" dirty="0" smtClean="0"/>
+              <a:t>When completeness is low, find and add new item to the requirement list</a:t>
+            </a:r>
+          </a:p>
+          <a:p>
+            <a:pPr lvl="1">
+              <a:buFont typeface="Arial" panose="020B0604020202020204" pitchFamily="34" charset="0"/>
+              <a:buChar char="•"/>
+            </a:pPr>
+            <a:r>
+              <a:rPr lang="en-US" sz="1800" dirty="0" smtClean="0"/>
+              <a:t>When correctness is low, ask stakeholder if the items are really necessary or not of the incorrect items in the requirement list</a:t>
+            </a:r>
+          </a:p>
+          <a:p>
+            <a:pPr lvl="1">
+              <a:buFont typeface="Arial" panose="020B0604020202020204" pitchFamily="34" charset="0"/>
+              <a:buChar char="•"/>
+            </a:pPr>
+            <a:r>
+              <a:rPr lang="en-US" sz="1800" dirty="0" smtClean="0"/>
+              <a:t>When consistency measure is low, one of two inconsistent items is selected to be removed </a:t>
+            </a:r>
+          </a:p>
+        </p:txBody>
+      </p:sp>
+    </p:spTree>
+    <p:extLst>
+      <p:ext uri="{BB962C8B-B14F-4D97-AF65-F5344CB8AC3E}">
+        <p14:creationId xmlns:p14="http://schemas.microsoft.com/office/powerpoint/2010/main" val="2891192698"/>
+      </p:ext>
+    </p:extLst>
+  </p:cSld>
+  <p:clrMapOvr>
+    <a:masterClrMapping/>
+  </p:clrMapOvr>
+  <p:timing>
+    <p:tnLst>
+      <p:par>
+        <p:cTn id="1" dur="indefinite" restart="never" nodeType="tmRoot"/>
+      </p:par>
+    </p:tnLst>
+  </p:timing>
+</p:sld>
+</file>
+
+<file path=ppt/slides/slide18.xml><?xml version="1.0" encoding="utf-8"?>
+<p:sld xmlns:a="http://schemas.openxmlformats.org/drawingml/2006/main" xmlns:r="http://schemas.openxmlformats.org/officeDocument/2006/relationships" xmlns:p="http://schemas.openxmlformats.org/presentationml/2006/main">
+  <p:cSld>
+    <p:spTree>
+      <p:nvGrpSpPr>
+        <p:cNvPr id="1" name=""/>
+        <p:cNvGrpSpPr/>
+        <p:nvPr/>
+      </p:nvGrpSpPr>
+      <p:grpSpPr>
+        <a:xfrm>
+          <a:off x="0" y="0"/>
+          <a:ext cx="0" cy="0"/>
+          <a:chOff x="0" y="0"/>
+          <a:chExt cx="0" cy="0"/>
+        </a:xfrm>
+      </p:grpSpPr>
+      <p:sp>
+        <p:nvSpPr>
+          <p:cNvPr id="2" name="Title 1"/>
+          <p:cNvSpPr>
+            <a:spLocks noGrp="1"/>
+          </p:cNvSpPr>
+          <p:nvPr>
+            <p:ph type="title"/>
+          </p:nvPr>
+        </p:nvSpPr>
+        <p:spPr/>
+        <p:txBody>
+          <a:bodyPr/>
+          <a:lstStyle/>
+          <a:p>
+            <a:r>
+              <a:rPr lang="en-US" dirty="0" smtClean="0"/>
+              <a:t>Implementation</a:t>
+            </a:r>
+            <a:endParaRPr lang="en-US" dirty="0"/>
+          </a:p>
+        </p:txBody>
+      </p:sp>
+      <p:sp>
+        <p:nvSpPr>
+          <p:cNvPr id="3" name="Content Placeholder 2"/>
+          <p:cNvSpPr>
+            <a:spLocks noGrp="1"/>
+          </p:cNvSpPr>
+          <p:nvPr>
+            <p:ph idx="1"/>
+          </p:nvPr>
+        </p:nvSpPr>
+        <p:spPr>
+          <a:xfrm>
+            <a:off x="677334" y="1482436"/>
+            <a:ext cx="8596668" cy="4060163"/>
+          </a:xfrm>
+        </p:spPr>
+        <p:txBody>
+          <a:bodyPr/>
+          <a:lstStyle/>
+          <a:p>
+            <a:r>
+              <a:rPr lang="en-US" dirty="0" smtClean="0"/>
+              <a:t>Using the </a:t>
+            </a:r>
+            <a:r>
+              <a:rPr lang="en-US" dirty="0" err="1" smtClean="0"/>
+              <a:t>Codeontology</a:t>
+            </a:r>
+            <a:r>
+              <a:rPr lang="en-US" dirty="0" smtClean="0"/>
+              <a:t> parser to make </a:t>
+            </a:r>
+            <a:r>
+              <a:rPr lang="en-US" dirty="0" err="1" smtClean="0"/>
+              <a:t>rdf</a:t>
+            </a:r>
+            <a:r>
+              <a:rPr lang="en-US" dirty="0" smtClean="0"/>
+              <a:t> from source code</a:t>
+            </a:r>
+          </a:p>
+          <a:p>
+            <a:pPr marL="0" indent="0">
+              <a:buNone/>
+            </a:pPr>
+            <a:r>
+              <a:rPr lang="en-US" dirty="0" smtClean="0"/>
+              <a:t> </a:t>
+            </a:r>
+            <a:endParaRPr lang="en-US" dirty="0"/>
+          </a:p>
+        </p:txBody>
+      </p:sp>
+      <p:pic>
+        <p:nvPicPr>
+          <p:cNvPr id="4" name="Picture 3"/>
+          <p:cNvPicPr>
+            <a:picLocks noChangeAspect="1"/>
+          </p:cNvPicPr>
+          <p:nvPr/>
+        </p:nvPicPr>
+        <p:blipFill>
+          <a:blip r:embed="rId2">
+            <a:extLst>
+              <a:ext uri="{28A0092B-C50C-407E-A947-70E740481C1C}">
+                <a14:useLocalDpi xmlns:a14="http://schemas.microsoft.com/office/drawing/2010/main" val="0"/>
+              </a:ext>
+            </a:extLst>
+          </a:blip>
+          <a:stretch>
+            <a:fillRect/>
+          </a:stretch>
+        </p:blipFill>
+        <p:spPr>
+          <a:xfrm>
+            <a:off x="851459" y="2046366"/>
+            <a:ext cx="3950084" cy="3111692"/>
+          </a:xfrm>
+          <a:prstGeom prst="rect">
+            <a:avLst/>
+          </a:prstGeom>
+        </p:spPr>
+      </p:pic>
+      <p:pic>
+        <p:nvPicPr>
+          <p:cNvPr id="5" name="Picture 4"/>
+          <p:cNvPicPr>
+            <a:picLocks noChangeAspect="1"/>
+          </p:cNvPicPr>
+          <p:nvPr/>
+        </p:nvPicPr>
+        <p:blipFill>
+          <a:blip r:embed="rId3">
+            <a:extLst>
+              <a:ext uri="{28A0092B-C50C-407E-A947-70E740481C1C}">
+                <a14:useLocalDpi xmlns:a14="http://schemas.microsoft.com/office/drawing/2010/main" val="0"/>
+              </a:ext>
+            </a:extLst>
+          </a:blip>
+          <a:stretch>
+            <a:fillRect/>
+          </a:stretch>
+        </p:blipFill>
+        <p:spPr>
+          <a:xfrm>
+            <a:off x="4975668" y="2046366"/>
+            <a:ext cx="4002424" cy="3111692"/>
+          </a:xfrm>
+          <a:prstGeom prst="rect">
+            <a:avLst/>
+          </a:prstGeom>
+        </p:spPr>
+      </p:pic>
+      <p:pic>
+        <p:nvPicPr>
+          <p:cNvPr id="6" name="Picture 5"/>
+          <p:cNvPicPr>
+            <a:picLocks noChangeAspect="1"/>
+          </p:cNvPicPr>
+          <p:nvPr/>
+        </p:nvPicPr>
+        <p:blipFill>
+          <a:blip r:embed="rId4">
+            <a:extLst>
+              <a:ext uri="{28A0092B-C50C-407E-A947-70E740481C1C}">
+                <a14:useLocalDpi xmlns:a14="http://schemas.microsoft.com/office/drawing/2010/main" val="0"/>
+              </a:ext>
+            </a:extLst>
+          </a:blip>
+          <a:stretch>
+            <a:fillRect/>
+          </a:stretch>
+        </p:blipFill>
+        <p:spPr>
+          <a:xfrm>
+            <a:off x="2513580" y="5274024"/>
+            <a:ext cx="5389418" cy="1320801"/>
+          </a:xfrm>
+          <a:prstGeom prst="rect">
+            <a:avLst/>
+          </a:prstGeom>
+        </p:spPr>
+      </p:pic>
+    </p:spTree>
+    <p:extLst>
+      <p:ext uri="{BB962C8B-B14F-4D97-AF65-F5344CB8AC3E}">
+        <p14:creationId xmlns:p14="http://schemas.microsoft.com/office/powerpoint/2010/main" val="174065118"/>
+      </p:ext>
+    </p:extLst>
+  </p:cSld>
+  <p:clrMapOvr>
+    <a:masterClrMapping/>
+  </p:clrMapOvr>
+  <p:timing>
+    <p:tnLst>
+      <p:par>
+        <p:cTn id="1" dur="indefinite" restart="never" nodeType="tmRoot"/>
+      </p:par>
+    </p:tnLst>
+  </p:timing>
+</p:sld>
+</file>
+
+<file path=ppt/slides/slide19.xml><?xml version="1.0" encoding="utf-8"?>
+<p:sld xmlns:a="http://schemas.openxmlformats.org/drawingml/2006/main" xmlns:r="http://schemas.openxmlformats.org/officeDocument/2006/relationships" xmlns:p="http://schemas.openxmlformats.org/presentationml/2006/main">
+  <p:cSld>
+    <p:spTree>
+      <p:nvGrpSpPr>
+        <p:cNvPr id="1" name=""/>
+        <p:cNvGrpSpPr/>
+        <p:nvPr/>
+      </p:nvGrpSpPr>
+      <p:grpSpPr>
+        <a:xfrm>
+          <a:off x="0" y="0"/>
+          <a:ext cx="0" cy="0"/>
+          <a:chOff x="0" y="0"/>
+          <a:chExt cx="0" cy="0"/>
+        </a:xfrm>
+      </p:grpSpPr>
+      <p:sp>
+        <p:nvSpPr>
+          <p:cNvPr id="2" name="Title 1"/>
+          <p:cNvSpPr>
+            <a:spLocks noGrp="1"/>
+          </p:cNvSpPr>
+          <p:nvPr>
+            <p:ph type="title"/>
+          </p:nvPr>
+        </p:nvSpPr>
+        <p:spPr/>
+        <p:txBody>
+          <a:bodyPr/>
+          <a:lstStyle/>
+          <a:p>
+            <a:r>
+              <a:rPr lang="en-US" dirty="0" smtClean="0"/>
+              <a:t>Implementation</a:t>
+            </a:r>
+            <a:endParaRPr lang="en-US" dirty="0"/>
+          </a:p>
+        </p:txBody>
+      </p:sp>
+      <p:pic>
+        <p:nvPicPr>
+          <p:cNvPr id="4" name="Content Placeholder 3"/>
+          <p:cNvPicPr>
+            <a:picLocks noGrp="1" noChangeAspect="1"/>
+          </p:cNvPicPr>
+          <p:nvPr>
+            <p:ph idx="1"/>
+          </p:nvPr>
+        </p:nvPicPr>
+        <p:blipFill>
+          <a:blip r:embed="rId2">
+            <a:extLst>
+              <a:ext uri="{28A0092B-C50C-407E-A947-70E740481C1C}">
+                <a14:useLocalDpi xmlns:a14="http://schemas.microsoft.com/office/drawing/2010/main" val="0"/>
+              </a:ext>
+            </a:extLst>
+          </a:blip>
+          <a:stretch>
+            <a:fillRect/>
+          </a:stretch>
+        </p:blipFill>
+        <p:spPr>
+          <a:xfrm>
+            <a:off x="389806" y="2229448"/>
+            <a:ext cx="9171724" cy="3658734"/>
+          </a:xfrm>
+        </p:spPr>
+      </p:pic>
+      <p:sp>
+        <p:nvSpPr>
+          <p:cNvPr id="5" name="TextBox 4"/>
+          <p:cNvSpPr txBox="1"/>
+          <p:nvPr/>
+        </p:nvSpPr>
+        <p:spPr>
+          <a:xfrm>
+            <a:off x="3255818" y="6331527"/>
+            <a:ext cx="3730508" cy="369332"/>
+          </a:xfrm>
+          <a:prstGeom prst="rect">
+            <a:avLst/>
+          </a:prstGeom>
+          <a:noFill/>
+        </p:spPr>
+        <p:txBody>
+          <a:bodyPr wrap="none" rtlCol="0">
+            <a:spAutoFit/>
+          </a:bodyPr>
+          <a:lstStyle/>
+          <a:p>
+            <a:r>
+              <a:rPr lang="en-US" dirty="0" smtClean="0"/>
+              <a:t>Fig. </a:t>
+            </a:r>
+            <a:r>
+              <a:rPr lang="en-US" dirty="0" err="1" smtClean="0"/>
+              <a:t>Ontograph</a:t>
+            </a:r>
+            <a:r>
+              <a:rPr lang="en-US" dirty="0" smtClean="0"/>
+              <a:t> of the source code</a:t>
+            </a:r>
+            <a:endParaRPr lang="en-US" dirty="0"/>
+          </a:p>
+        </p:txBody>
+      </p:sp>
+    </p:spTree>
+    <p:extLst>
+      <p:ext uri="{BB962C8B-B14F-4D97-AF65-F5344CB8AC3E}">
+        <p14:creationId xmlns:p14="http://schemas.microsoft.com/office/powerpoint/2010/main" val="836788771"/>
+      </p:ext>
+    </p:extLst>
+  </p:cSld>
+  <p:clrMapOvr>
+    <a:masterClrMapping/>
+  </p:clrMapOvr>
+</p:sld>
+</file>
+
+<file path=ppt/slides/slide2.xml><?xml version="1.0" encoding="utf-8"?>
+<p:sld xmlns:a="http://schemas.openxmlformats.org/drawingml/2006/main" xmlns:r="http://schemas.openxmlformats.org/officeDocument/2006/relationships" xmlns:p="http://schemas.openxmlformats.org/presentationml/2006/main">
+  <p:cSld>
+    <p:spTree>
+      <p:nvGrpSpPr>
+        <p:cNvPr id="1" name=""/>
+        <p:cNvGrpSpPr/>
+        <p:nvPr/>
+      </p:nvGrpSpPr>
+      <p:grpSpPr>
+        <a:xfrm>
+          <a:off x="0" y="0"/>
+          <a:ext cx="0" cy="0"/>
+          <a:chOff x="0" y="0"/>
+          <a:chExt cx="0" cy="0"/>
+        </a:xfrm>
+      </p:grpSpPr>
+      <p:sp>
+        <p:nvSpPr>
+          <p:cNvPr id="2" name="Title 1"/>
+          <p:cNvSpPr>
+            <a:spLocks noGrp="1"/>
+          </p:cNvSpPr>
+          <p:nvPr>
+            <p:ph type="title"/>
+          </p:nvPr>
+        </p:nvSpPr>
+        <p:spPr/>
+        <p:txBody>
+          <a:bodyPr/>
+          <a:lstStyle/>
+          <a:p>
+            <a:r>
+              <a:rPr lang="en-US" dirty="0"/>
+              <a:t>Overview</a:t>
+            </a:r>
+          </a:p>
+        </p:txBody>
+      </p:sp>
+      <p:sp>
+        <p:nvSpPr>
+          <p:cNvPr id="3" name="Content Placeholder 2"/>
+          <p:cNvSpPr>
+            <a:spLocks noGrp="1"/>
+          </p:cNvSpPr>
+          <p:nvPr>
+            <p:ph idx="1"/>
+          </p:nvPr>
+        </p:nvSpPr>
+        <p:spPr/>
+        <p:txBody>
+          <a:bodyPr>
+            <a:normAutofit/>
+          </a:bodyPr>
+          <a:lstStyle/>
+          <a:p>
+            <a:pPr>
+              <a:lnSpc>
+                <a:spcPct val="150000"/>
+              </a:lnSpc>
+            </a:pPr>
+            <a:r>
+              <a:rPr lang="en-US" sz="2400" dirty="0"/>
+              <a:t> For developing a software a requirement list is given        </a:t>
+            </a:r>
+          </a:p>
+          <a:p>
+            <a:pPr>
+              <a:lnSpc>
+                <a:spcPct val="150000"/>
+              </a:lnSpc>
+            </a:pPr>
+            <a:r>
+              <a:rPr lang="en-US" sz="2400" dirty="0"/>
+              <a:t> A software developer designs the software using various classes, functions </a:t>
+            </a:r>
+            <a:r>
+              <a:rPr lang="en-US" sz="2400" dirty="0" smtClean="0"/>
+              <a:t>etc.         </a:t>
+            </a:r>
+            <a:endParaRPr lang="en-US" sz="2400" dirty="0"/>
+          </a:p>
+          <a:p>
+            <a:pPr>
+              <a:lnSpc>
+                <a:spcPct val="150000"/>
+              </a:lnSpc>
+            </a:pPr>
+            <a:r>
+              <a:rPr lang="en-US" sz="2400" dirty="0"/>
+              <a:t>From this software we can obtain an ontology        </a:t>
+            </a:r>
+          </a:p>
+        </p:txBody>
+      </p:sp>
+    </p:spTree>
+    <p:extLst>
+      <p:ext uri="{BB962C8B-B14F-4D97-AF65-F5344CB8AC3E}">
+        <p14:creationId xmlns:p14="http://schemas.microsoft.com/office/powerpoint/2010/main" val="219971347"/>
+      </p:ext>
+    </p:extLst>
+  </p:cSld>
+  <p:clrMapOvr>
+    <a:masterClrMapping/>
+  </p:clrMapOvr>
+  <p:timing>
+    <p:tnLst>
+      <p:par>
+        <p:cTn id="1" dur="indefinite" restart="never" nodeType="tmRoot">
+          <p:childTnLst>
+            <p:seq concurrent="1" nextAc="seek">
+              <p:cTn id="2" dur="indefinite" nodeType="mainSeq">
+                <p:childTnLst>
+                  <p:par>
+                    <p:cTn id="3" fill="hold">
+                      <p:stCondLst>
+                        <p:cond delay="indefinite"/>
+                      </p:stCondLst>
+                      <p:childTnLst>
+                        <p:par>
+                          <p:cTn id="4" fill="hold">
+                            <p:stCondLst>
+                              <p:cond delay="0"/>
+                            </p:stCondLst>
+                            <p:childTnLst>
+                              <p:par>
+                                <p:cTn id="5" presetID="2" presetClass="entr" presetSubtype="4" fill="hold" grpId="0" nodeType="clickEffect">
+                                  <p:stCondLst>
+                                    <p:cond delay="0"/>
+                                  </p:stCondLst>
+                                  <p:childTnLst>
+                                    <p:set>
+                                      <p:cBhvr>
+                                        <p:cTn id="6" dur="1" fill="hold">
+                                          <p:stCondLst>
+                                            <p:cond delay="0"/>
+                                          </p:stCondLst>
+                                        </p:cTn>
+                                        <p:tgtEl>
+                                          <p:spTgt spid="3">
+                                            <p:txEl>
+                                              <p:pRg st="0" end="0"/>
+                                            </p:txEl>
+                                          </p:spTgt>
+                                        </p:tgtEl>
+                                        <p:attrNameLst>
+                                          <p:attrName>style.visibility</p:attrName>
+                                        </p:attrNameLst>
+                                      </p:cBhvr>
+                                      <p:to>
+                                        <p:strVal val="visible"/>
+                                      </p:to>
+                                    </p:set>
+                                    <p:anim calcmode="lin" valueType="num">
+                                      <p:cBhvr additive="base">
+                                        <p:cTn id="7" dur="500" fill="hold"/>
+                                        <p:tgtEl>
+                                          <p:spTgt spid="3">
+                                            <p:txEl>
+                                              <p:pRg st="0" end="0"/>
+                                            </p:txEl>
+                                          </p:spTgt>
+                                        </p:tgtEl>
+                                        <p:attrNameLst>
+                                          <p:attrName>ppt_x</p:attrName>
+                                        </p:attrNameLst>
+                                      </p:cBhvr>
+                                      <p:tavLst>
+                                        <p:tav tm="0">
+                                          <p:val>
+                                            <p:strVal val="#ppt_x"/>
+                                          </p:val>
+                                        </p:tav>
+                                        <p:tav tm="100000">
+                                          <p:val>
+                                            <p:strVal val="#ppt_x"/>
+                                          </p:val>
+                                        </p:tav>
+                                      </p:tavLst>
+                                    </p:anim>
+                                    <p:anim calcmode="lin" valueType="num">
+                                      <p:cBhvr additive="base">
+                                        <p:cTn id="8" dur="500" fill="hold"/>
+                                        <p:tgtEl>
+                                          <p:spTgt spid="3">
+                                            <p:txEl>
+                                              <p:pRg st="0" end="0"/>
+                                            </p:txEl>
+                                          </p:spTgt>
+                                        </p:tgtEl>
+                                        <p:attrNameLst>
+                                          <p:attrName>ppt_y</p:attrName>
+                                        </p:attrNameLst>
+                                      </p:cBhvr>
+                                      <p:tavLst>
+                                        <p:tav tm="0">
+                                          <p:val>
+                                            <p:strVal val="1+#ppt_h/2"/>
+                                          </p:val>
+                                        </p:tav>
+                                        <p:tav tm="100000">
+                                          <p:val>
+                                            <p:strVal val="#ppt_y"/>
+                                          </p:val>
+                                        </p:tav>
+                                      </p:tavLst>
+                                    </p:anim>
+                                  </p:childTnLst>
+                                </p:cTn>
+                              </p:par>
+                            </p:childTnLst>
+                          </p:cTn>
+                        </p:par>
+                      </p:childTnLst>
+                    </p:cTn>
+                  </p:par>
+                  <p:par>
+                    <p:cTn id="9" fill="hold">
+                      <p:stCondLst>
+                        <p:cond delay="indefinite"/>
+                      </p:stCondLst>
+                      <p:childTnLst>
+                        <p:par>
+                          <p:cTn id="10" fill="hold">
+                            <p:stCondLst>
+                              <p:cond delay="0"/>
+                            </p:stCondLst>
+                            <p:childTnLst>
+                              <p:par>
+                                <p:cTn id="11" presetID="2" presetClass="entr" presetSubtype="4" fill="hold" grpId="0" nodeType="clickEffect">
+                                  <p:stCondLst>
+                                    <p:cond delay="0"/>
+                                  </p:stCondLst>
+                                  <p:childTnLst>
+                                    <p:set>
+                                      <p:cBhvr>
+                                        <p:cTn id="12" dur="1" fill="hold">
+                                          <p:stCondLst>
+                                            <p:cond delay="0"/>
+                                          </p:stCondLst>
+                                        </p:cTn>
+                                        <p:tgtEl>
+                                          <p:spTgt spid="3">
+                                            <p:txEl>
+                                              <p:pRg st="1" end="1"/>
+                                            </p:txEl>
+                                          </p:spTgt>
+                                        </p:tgtEl>
+                                        <p:attrNameLst>
+                                          <p:attrName>style.visibility</p:attrName>
+                                        </p:attrNameLst>
+                                      </p:cBhvr>
+                                      <p:to>
+                                        <p:strVal val="visible"/>
+                                      </p:to>
+                                    </p:set>
+                                    <p:anim calcmode="lin" valueType="num">
+                                      <p:cBhvr additive="base">
+                                        <p:cTn id="13" dur="500" fill="hold"/>
+                                        <p:tgtEl>
+                                          <p:spTgt spid="3">
+                                            <p:txEl>
+                                              <p:pRg st="1" end="1"/>
+                                            </p:txEl>
+                                          </p:spTgt>
+                                        </p:tgtEl>
+                                        <p:attrNameLst>
+                                          <p:attrName>ppt_x</p:attrName>
+                                        </p:attrNameLst>
+                                      </p:cBhvr>
+                                      <p:tavLst>
+                                        <p:tav tm="0">
+                                          <p:val>
+                                            <p:strVal val="#ppt_x"/>
+                                          </p:val>
+                                        </p:tav>
+                                        <p:tav tm="100000">
+                                          <p:val>
+                                            <p:strVal val="#ppt_x"/>
+                                          </p:val>
+                                        </p:tav>
+                                      </p:tavLst>
+                                    </p:anim>
+                                    <p:anim calcmode="lin" valueType="num">
+                                      <p:cBhvr additive="base">
+                                        <p:cTn id="14" dur="500" fill="hold"/>
+                                        <p:tgtEl>
+                                          <p:spTgt spid="3">
+                                            <p:txEl>
+                                              <p:pRg st="1" end="1"/>
+                                            </p:txEl>
+                                          </p:spTgt>
+                                        </p:tgtEl>
+                                        <p:attrNameLst>
+                                          <p:attrName>ppt_y</p:attrName>
+                                        </p:attrNameLst>
+                                      </p:cBhvr>
+                                      <p:tavLst>
+                                        <p:tav tm="0">
+                                          <p:val>
+                                            <p:strVal val="1+#ppt_h/2"/>
+                                          </p:val>
+                                        </p:tav>
+                                        <p:tav tm="100000">
+                                          <p:val>
+                                            <p:strVal val="#ppt_y"/>
+                                          </p:val>
+                                        </p:tav>
+                                      </p:tavLst>
+                                    </p:anim>
+                                  </p:childTnLst>
+                                </p:cTn>
+                              </p:par>
+                            </p:childTnLst>
+                          </p:cTn>
+                        </p:par>
+                      </p:childTnLst>
+                    </p:cTn>
+                  </p:par>
+                  <p:par>
+                    <p:cTn id="15" fill="hold">
+                      <p:stCondLst>
+                        <p:cond delay="indefinite"/>
+                      </p:stCondLst>
+                      <p:childTnLst>
+                        <p:par>
+                          <p:cTn id="16" fill="hold">
+                            <p:stCondLst>
+                              <p:cond delay="0"/>
+                            </p:stCondLst>
+                            <p:childTnLst>
+                              <p:par>
+                                <p:cTn id="17" presetID="2" presetClass="entr" presetSubtype="4" fill="hold" grpId="0" nodeType="clickEffect">
+                                  <p:stCondLst>
+                                    <p:cond delay="0"/>
+                                  </p:stCondLst>
+                                  <p:childTnLst>
+                                    <p:set>
+                                      <p:cBhvr>
+                                        <p:cTn id="18" dur="1" fill="hold">
+                                          <p:stCondLst>
+                                            <p:cond delay="0"/>
+                                          </p:stCondLst>
+                                        </p:cTn>
+                                        <p:tgtEl>
+                                          <p:spTgt spid="3">
+                                            <p:txEl>
+                                              <p:pRg st="2" end="2"/>
+                                            </p:txEl>
+                                          </p:spTgt>
+                                        </p:tgtEl>
+                                        <p:attrNameLst>
+                                          <p:attrName>style.visibility</p:attrName>
+                                        </p:attrNameLst>
+                                      </p:cBhvr>
+                                      <p:to>
+                                        <p:strVal val="visible"/>
+                                      </p:to>
+                                    </p:set>
+                                    <p:anim calcmode="lin" valueType="num">
+                                      <p:cBhvr additive="base">
+                                        <p:cTn id="19" dur="500" fill="hold"/>
+                                        <p:tgtEl>
+                                          <p:spTgt spid="3">
+                                            <p:txEl>
+                                              <p:pRg st="2" end="2"/>
+                                            </p:txEl>
+                                          </p:spTgt>
+                                        </p:tgtEl>
+                                        <p:attrNameLst>
+                                          <p:attrName>ppt_x</p:attrName>
+                                        </p:attrNameLst>
+                                      </p:cBhvr>
+                                      <p:tavLst>
+                                        <p:tav tm="0">
+                                          <p:val>
+                                            <p:strVal val="#ppt_x"/>
+                                          </p:val>
+                                        </p:tav>
+                                        <p:tav tm="100000">
+                                          <p:val>
+                                            <p:strVal val="#ppt_x"/>
+                                          </p:val>
+                                        </p:tav>
+                                      </p:tavLst>
+                                    </p:anim>
+                                    <p:anim calcmode="lin" valueType="num">
+                                      <p:cBhvr additive="base">
+                                        <p:cTn id="20" dur="500" fill="hold"/>
+                                        <p:tgtEl>
+                                          <p:spTgt spid="3">
+                                            <p:txEl>
+                                              <p:pRg st="2" end="2"/>
+                                            </p:txEl>
+                                          </p:spTgt>
+                                        </p:tgtEl>
+                                        <p:attrNameLst>
+                                          <p:attrName>ppt_y</p:attrName>
+                                        </p:attrNameLst>
+                                      </p:cBhvr>
+                                      <p:tavLst>
+                                        <p:tav tm="0">
+                                          <p:val>
+                                            <p:strVal val="1+#ppt_h/2"/>
+                                          </p:val>
+                                        </p:tav>
+                                        <p:tav tm="100000">
+                                          <p:val>
+                                            <p:strVal val="#ppt_y"/>
+                                          </p:val>
+                                        </p:tav>
+                                      </p:tavLst>
+                                    </p:anim>
+                                  </p:childTnLst>
+                                </p:cTn>
+                              </p:par>
+                            </p:childTnLst>
+                          </p:cTn>
+                        </p:par>
+                      </p:childTnLst>
+                    </p:cTn>
+                  </p:par>
+                </p:childTnLst>
+              </p:cTn>
+              <p:prevCondLst>
+                <p:cond evt="onPrev" delay="0">
+                  <p:tgtEl>
+                    <p:sldTgt/>
+                  </p:tgtEl>
+                </p:cond>
+              </p:prevCondLst>
+              <p:nextCondLst>
+                <p:cond evt="onNext" delay="0">
+                  <p:tgtEl>
+                    <p:sldTgt/>
+                  </p:tgtEl>
+                </p:cond>
+              </p:nextCondLst>
+            </p:seq>
+          </p:childTnLst>
+        </p:cTn>
+      </p:par>
+    </p:tnLst>
+    <p:bldLst>
+      <p:bldP spid="3" grpId="0" build="p"/>
+    </p:bldLst>
+  </p:timing>
+</p:sld>
+</file>
+
+<file path=ppt/slides/slide20.xml><?xml version="1.0" encoding="utf-8"?>
 <p:sld xmlns:a="http://schemas.openxmlformats.org/drawingml/2006/main" xmlns:r="http://schemas.openxmlformats.org/officeDocument/2006/relationships" xmlns:p="http://schemas.openxmlformats.org/presentationml/2006/main">
   <p:cSld>
     <p:spTree>
@@ -10441,7 +11609,7 @@
 </p:sld>
 </file>
 
-<file path=ppt/slides/slide16.xml><?xml version="1.0" encoding="utf-8"?>
+<file path=ppt/slides/slide21.xml><?xml version="1.0" encoding="utf-8"?>
 <p:sld xmlns:a="http://schemas.openxmlformats.org/drawingml/2006/main" xmlns:r="http://schemas.openxmlformats.org/officeDocument/2006/relationships" xmlns:p="http://schemas.openxmlformats.org/presentationml/2006/main">
   <p:cSld>
     <p:spTree>
@@ -10519,7 +11687,7 @@
           <p:cNvPr id="3" name="TextBox 2">
             <a:extLst>
               <a:ext uri="{FF2B5EF4-FFF2-40B4-BE49-F238E27FC236}">
-                <a16:creationId xmlns:a16="http://schemas.microsoft.com/office/drawing/2014/main" xmlns="" id="{026FDE8C-258F-4FD8-A457-2D13F8C350EB}"/>
+                <a16:creationId xmlns="" xmlns:a16="http://schemas.microsoft.com/office/drawing/2014/main" id="{026FDE8C-258F-4FD8-A457-2D13F8C350EB}"/>
               </a:ext>
             </a:extLst>
           </p:cNvPr>
@@ -10570,7 +11738,7 @@
 </p:sld>
 </file>
 
-<file path=ppt/slides/slide17.xml><?xml version="1.0" encoding="utf-8"?>
+<file path=ppt/slides/slide22.xml><?xml version="1.0" encoding="utf-8"?>
 <p:sld xmlns:a="http://schemas.openxmlformats.org/drawingml/2006/main" xmlns:r="http://schemas.openxmlformats.org/officeDocument/2006/relationships" xmlns:p="http://schemas.openxmlformats.org/presentationml/2006/main">
   <p:cSld>
     <p:spTree>
@@ -10592,7 +11760,7 @@
           <p:cNvPr id="24" name="Picture 23">
             <a:extLst>
               <a:ext uri="{FF2B5EF4-FFF2-40B4-BE49-F238E27FC236}">
-                <a16:creationId xmlns:a16="http://schemas.microsoft.com/office/drawing/2014/main" xmlns="" id="{A2D6F2E6-A543-4A46-954F-DAD349E0EF5E}"/>
+                <a16:creationId xmlns="" xmlns:a16="http://schemas.microsoft.com/office/drawing/2014/main" id="{A2D6F2E6-A543-4A46-954F-DAD349E0EF5E}"/>
               </a:ext>
             </a:extLst>
           </p:cNvPr>
@@ -10630,7 +11798,7 @@
 </p:sld>
 </file>
 
-<file path=ppt/slides/slide18.xml><?xml version="1.0" encoding="utf-8"?>
+<file path=ppt/slides/slide23.xml><?xml version="1.0" encoding="utf-8"?>
 <p:sld xmlns:a="http://schemas.openxmlformats.org/drawingml/2006/main" xmlns:r="http://schemas.openxmlformats.org/officeDocument/2006/relationships" xmlns:p="http://schemas.openxmlformats.org/presentationml/2006/main">
   <p:cSld>
     <p:spTree>
@@ -10669,8 +11837,8 @@
           </a:p>
         </p:txBody>
       </p:sp>
-      <mc:AlternateContent xmlns:mc="http://schemas.openxmlformats.org/markup-compatibility/2006" xmlns:a14="http://schemas.microsoft.com/office/drawing/2010/main">
-        <mc:Choice Requires="a14">
+      <mc:AlternateContent xmlns:mc="http://schemas.openxmlformats.org/markup-compatibility/2006">
+        <mc:Choice xmlns:a14="http://schemas.microsoft.com/office/drawing/2010/main" Requires="a14">
           <p:sp>
             <p:nvSpPr>
               <p:cNvPr id="3" name="Content Placeholder 2"/>
@@ -10713,8 +11881,13 @@
                 </a:pPr>
                 <a:r>
                   <a:rPr lang="en-US" dirty="0"/>
-                  <a:t>	Correctness, </a:t>
+                  <a:t>	</a:t>
                 </a:r>
+                <a:r>
+                  <a:rPr lang="en-US" dirty="0" smtClean="0"/>
+                  <a:t>Correctness: </a:t>
+                </a:r>
+                <a:endParaRPr lang="en-US" dirty="0"/>
               </a:p>
               <a:p>
                 <a:pPr marL="0" indent="0">
@@ -11017,7 +12190,7 @@
             </p:txBody>
           </p:sp>
         </mc:Choice>
-        <mc:Fallback xmlns="">
+        <mc:Fallback>
           <p:sp>
             <p:nvSpPr>
               <p:cNvPr id="3" name="Content Placeholder 2"/>
@@ -11033,7 +12206,7 @@
                 <a:off x="677334" y="1800226"/>
                 <a:ext cx="8596668" cy="4269712"/>
               </a:xfrm>
-              <a:blipFill>
+              <a:blipFill rotWithShape="0">
                 <a:blip r:embed="rId2"/>
                 <a:stretch>
                   <a:fillRect l="-1064"/>
@@ -11068,7 +12241,7 @@
 </p:sld>
 </file>
 
-<file path=ppt/slides/slide19.xml><?xml version="1.0" encoding="utf-8"?>
+<file path=ppt/slides/slide24.xml><?xml version="1.0" encoding="utf-8"?>
 <p:sld xmlns:a="http://schemas.openxmlformats.org/drawingml/2006/main" xmlns:r="http://schemas.openxmlformats.org/officeDocument/2006/relationships" xmlns:p="http://schemas.openxmlformats.org/presentationml/2006/main">
   <p:cSld>
     <p:spTree>
@@ -11107,8 +12280,8 @@
           </a:p>
         </p:txBody>
       </p:sp>
-      <mc:AlternateContent xmlns:mc="http://schemas.openxmlformats.org/markup-compatibility/2006" xmlns:a14="http://schemas.microsoft.com/office/drawing/2010/main">
-        <mc:Choice Requires="a14">
+      <mc:AlternateContent xmlns:mc="http://schemas.openxmlformats.org/markup-compatibility/2006">
+        <mc:Choice xmlns:a14="http://schemas.microsoft.com/office/drawing/2010/main" Requires="a14">
           <p:sp>
             <p:nvSpPr>
               <p:cNvPr id="3" name="Content Placeholder 2"/>
@@ -11151,8 +12324,13 @@
                 </a:pPr>
                 <a:r>
                   <a:rPr lang="en-US" dirty="0"/>
-                  <a:t>	Completeness,</a:t>
+                  <a:t>	</a:t>
                 </a:r>
+                <a:r>
+                  <a:rPr lang="en-US" dirty="0" smtClean="0"/>
+                  <a:t>Completeness:</a:t>
+                </a:r>
+                <a:endParaRPr lang="en-US" dirty="0"/>
               </a:p>
               <a:p>
                 <a:pPr marL="0" indent="0">
@@ -11482,7 +12660,7 @@
             </p:txBody>
           </p:sp>
         </mc:Choice>
-        <mc:Fallback xmlns="">
+        <mc:Fallback>
           <p:sp>
             <p:nvSpPr>
               <p:cNvPr id="3" name="Content Placeholder 2"/>
@@ -11498,7 +12676,7 @@
                 <a:off x="677334" y="1828800"/>
                 <a:ext cx="8998929" cy="4283999"/>
               </a:xfrm>
-              <a:blipFill>
+              <a:blipFill rotWithShape="0">
                 <a:blip r:embed="rId2"/>
                 <a:stretch>
                   <a:fillRect l="-1016"/>
@@ -11533,7 +12711,7 @@
 </p:sld>
 </file>
 
-<file path=ppt/slides/slide2.xml><?xml version="1.0" encoding="utf-8"?>
+<file path=ppt/slides/slide25.xml><?xml version="1.0" encoding="utf-8"?>
 <p:sld xmlns:a="http://schemas.openxmlformats.org/drawingml/2006/main" xmlns:r="http://schemas.openxmlformats.org/officeDocument/2006/relationships" xmlns:p="http://schemas.openxmlformats.org/presentationml/2006/main">
   <p:cSld>
     <p:spTree>
@@ -11567,463 +12745,13 @@
           <a:p>
             <a:r>
               <a:rPr lang="en-US" dirty="0"/>
-              <a:t>Overview</a:t>
+              <a:t>Implementation</a:t>
             </a:r>
           </a:p>
         </p:txBody>
       </p:sp>
-      <p:sp>
-        <p:nvSpPr>
-          <p:cNvPr id="3" name="Content Placeholder 2"/>
-          <p:cNvSpPr>
-            <a:spLocks noGrp="1"/>
-          </p:cNvSpPr>
-          <p:nvPr>
-            <p:ph idx="1"/>
-          </p:nvPr>
-        </p:nvSpPr>
-        <p:spPr/>
-        <p:txBody>
-          <a:bodyPr>
-            <a:normAutofit/>
-          </a:bodyPr>
-          <a:lstStyle/>
-          <a:p>
-            <a:pPr>
-              <a:lnSpc>
-                <a:spcPct val="150000"/>
-              </a:lnSpc>
-            </a:pPr>
-            <a:r>
-              <a:rPr lang="en-US" sz="2400" dirty="0"/>
-              <a:t> For developing a software a requirement list is given        </a:t>
-            </a:r>
-          </a:p>
-          <a:p>
-            <a:pPr>
-              <a:lnSpc>
-                <a:spcPct val="150000"/>
-              </a:lnSpc>
-            </a:pPr>
-            <a:r>
-              <a:rPr lang="en-US" sz="2400" dirty="0"/>
-              <a:t> A software developer designs the software using various classes, functions </a:t>
-            </a:r>
-            <a:r>
-              <a:rPr lang="en-US" sz="2400" dirty="0" smtClean="0"/>
-              <a:t>etc.         </a:t>
-            </a:r>
-            <a:endParaRPr lang="en-US" sz="2400" dirty="0"/>
-          </a:p>
-          <a:p>
-            <a:pPr>
-              <a:lnSpc>
-                <a:spcPct val="150000"/>
-              </a:lnSpc>
-            </a:pPr>
-            <a:r>
-              <a:rPr lang="en-US" sz="2400" dirty="0"/>
-              <a:t>From this software we can obtain an ontology        </a:t>
-            </a:r>
-          </a:p>
-        </p:txBody>
-      </p:sp>
-    </p:spTree>
-    <p:extLst>
-      <p:ext uri="{BB962C8B-B14F-4D97-AF65-F5344CB8AC3E}">
-        <p14:creationId xmlns:p14="http://schemas.microsoft.com/office/powerpoint/2010/main" val="219971347"/>
-      </p:ext>
-    </p:extLst>
-  </p:cSld>
-  <p:clrMapOvr>
-    <a:masterClrMapping/>
-  </p:clrMapOvr>
-  <p:timing>
-    <p:tnLst>
-      <p:par>
-        <p:cTn id="1" dur="indefinite" restart="never" nodeType="tmRoot">
-          <p:childTnLst>
-            <p:seq concurrent="1" nextAc="seek">
-              <p:cTn id="2" dur="indefinite" nodeType="mainSeq">
-                <p:childTnLst>
-                  <p:par>
-                    <p:cTn id="3" fill="hold">
-                      <p:stCondLst>
-                        <p:cond delay="indefinite"/>
-                      </p:stCondLst>
-                      <p:childTnLst>
-                        <p:par>
-                          <p:cTn id="4" fill="hold">
-                            <p:stCondLst>
-                              <p:cond delay="0"/>
-                            </p:stCondLst>
-                            <p:childTnLst>
-                              <p:par>
-                                <p:cTn id="5" presetID="2" presetClass="entr" presetSubtype="4" fill="hold" grpId="0" nodeType="clickEffect">
-                                  <p:stCondLst>
-                                    <p:cond delay="0"/>
-                                  </p:stCondLst>
-                                  <p:childTnLst>
-                                    <p:set>
-                                      <p:cBhvr>
-                                        <p:cTn id="6" dur="1" fill="hold">
-                                          <p:stCondLst>
-                                            <p:cond delay="0"/>
-                                          </p:stCondLst>
-                                        </p:cTn>
-                                        <p:tgtEl>
-                                          <p:spTgt spid="3">
-                                            <p:txEl>
-                                              <p:pRg st="0" end="0"/>
-                                            </p:txEl>
-                                          </p:spTgt>
-                                        </p:tgtEl>
-                                        <p:attrNameLst>
-                                          <p:attrName>style.visibility</p:attrName>
-                                        </p:attrNameLst>
-                                      </p:cBhvr>
-                                      <p:to>
-                                        <p:strVal val="visible"/>
-                                      </p:to>
-                                    </p:set>
-                                    <p:anim calcmode="lin" valueType="num">
-                                      <p:cBhvr additive="base">
-                                        <p:cTn id="7" dur="500" fill="hold"/>
-                                        <p:tgtEl>
-                                          <p:spTgt spid="3">
-                                            <p:txEl>
-                                              <p:pRg st="0" end="0"/>
-                                            </p:txEl>
-                                          </p:spTgt>
-                                        </p:tgtEl>
-                                        <p:attrNameLst>
-                                          <p:attrName>ppt_x</p:attrName>
-                                        </p:attrNameLst>
-                                      </p:cBhvr>
-                                      <p:tavLst>
-                                        <p:tav tm="0">
-                                          <p:val>
-                                            <p:strVal val="#ppt_x"/>
-                                          </p:val>
-                                        </p:tav>
-                                        <p:tav tm="100000">
-                                          <p:val>
-                                            <p:strVal val="#ppt_x"/>
-                                          </p:val>
-                                        </p:tav>
-                                      </p:tavLst>
-                                    </p:anim>
-                                    <p:anim calcmode="lin" valueType="num">
-                                      <p:cBhvr additive="base">
-                                        <p:cTn id="8" dur="500" fill="hold"/>
-                                        <p:tgtEl>
-                                          <p:spTgt spid="3">
-                                            <p:txEl>
-                                              <p:pRg st="0" end="0"/>
-                                            </p:txEl>
-                                          </p:spTgt>
-                                        </p:tgtEl>
-                                        <p:attrNameLst>
-                                          <p:attrName>ppt_y</p:attrName>
-                                        </p:attrNameLst>
-                                      </p:cBhvr>
-                                      <p:tavLst>
-                                        <p:tav tm="0">
-                                          <p:val>
-                                            <p:strVal val="1+#ppt_h/2"/>
-                                          </p:val>
-                                        </p:tav>
-                                        <p:tav tm="100000">
-                                          <p:val>
-                                            <p:strVal val="#ppt_y"/>
-                                          </p:val>
-                                        </p:tav>
-                                      </p:tavLst>
-                                    </p:anim>
-                                  </p:childTnLst>
-                                </p:cTn>
-                              </p:par>
-                            </p:childTnLst>
-                          </p:cTn>
-                        </p:par>
-                      </p:childTnLst>
-                    </p:cTn>
-                  </p:par>
-                  <p:par>
-                    <p:cTn id="9" fill="hold">
-                      <p:stCondLst>
-                        <p:cond delay="indefinite"/>
-                      </p:stCondLst>
-                      <p:childTnLst>
-                        <p:par>
-                          <p:cTn id="10" fill="hold">
-                            <p:stCondLst>
-                              <p:cond delay="0"/>
-                            </p:stCondLst>
-                            <p:childTnLst>
-                              <p:par>
-                                <p:cTn id="11" presetID="2" presetClass="entr" presetSubtype="4" fill="hold" grpId="0" nodeType="clickEffect">
-                                  <p:stCondLst>
-                                    <p:cond delay="0"/>
-                                  </p:stCondLst>
-                                  <p:childTnLst>
-                                    <p:set>
-                                      <p:cBhvr>
-                                        <p:cTn id="12" dur="1" fill="hold">
-                                          <p:stCondLst>
-                                            <p:cond delay="0"/>
-                                          </p:stCondLst>
-                                        </p:cTn>
-                                        <p:tgtEl>
-                                          <p:spTgt spid="3">
-                                            <p:txEl>
-                                              <p:pRg st="1" end="1"/>
-                                            </p:txEl>
-                                          </p:spTgt>
-                                        </p:tgtEl>
-                                        <p:attrNameLst>
-                                          <p:attrName>style.visibility</p:attrName>
-                                        </p:attrNameLst>
-                                      </p:cBhvr>
-                                      <p:to>
-                                        <p:strVal val="visible"/>
-                                      </p:to>
-                                    </p:set>
-                                    <p:anim calcmode="lin" valueType="num">
-                                      <p:cBhvr additive="base">
-                                        <p:cTn id="13" dur="500" fill="hold"/>
-                                        <p:tgtEl>
-                                          <p:spTgt spid="3">
-                                            <p:txEl>
-                                              <p:pRg st="1" end="1"/>
-                                            </p:txEl>
-                                          </p:spTgt>
-                                        </p:tgtEl>
-                                        <p:attrNameLst>
-                                          <p:attrName>ppt_x</p:attrName>
-                                        </p:attrNameLst>
-                                      </p:cBhvr>
-                                      <p:tavLst>
-                                        <p:tav tm="0">
-                                          <p:val>
-                                            <p:strVal val="#ppt_x"/>
-                                          </p:val>
-                                        </p:tav>
-                                        <p:tav tm="100000">
-                                          <p:val>
-                                            <p:strVal val="#ppt_x"/>
-                                          </p:val>
-                                        </p:tav>
-                                      </p:tavLst>
-                                    </p:anim>
-                                    <p:anim calcmode="lin" valueType="num">
-                                      <p:cBhvr additive="base">
-                                        <p:cTn id="14" dur="500" fill="hold"/>
-                                        <p:tgtEl>
-                                          <p:spTgt spid="3">
-                                            <p:txEl>
-                                              <p:pRg st="1" end="1"/>
-                                            </p:txEl>
-                                          </p:spTgt>
-                                        </p:tgtEl>
-                                        <p:attrNameLst>
-                                          <p:attrName>ppt_y</p:attrName>
-                                        </p:attrNameLst>
-                                      </p:cBhvr>
-                                      <p:tavLst>
-                                        <p:tav tm="0">
-                                          <p:val>
-                                            <p:strVal val="1+#ppt_h/2"/>
-                                          </p:val>
-                                        </p:tav>
-                                        <p:tav tm="100000">
-                                          <p:val>
-                                            <p:strVal val="#ppt_y"/>
-                                          </p:val>
-                                        </p:tav>
-                                      </p:tavLst>
-                                    </p:anim>
-                                  </p:childTnLst>
-                                </p:cTn>
-                              </p:par>
-                            </p:childTnLst>
-                          </p:cTn>
-                        </p:par>
-                      </p:childTnLst>
-                    </p:cTn>
-                  </p:par>
-                  <p:par>
-                    <p:cTn id="15" fill="hold">
-                      <p:stCondLst>
-                        <p:cond delay="indefinite"/>
-                      </p:stCondLst>
-                      <p:childTnLst>
-                        <p:par>
-                          <p:cTn id="16" fill="hold">
-                            <p:stCondLst>
-                              <p:cond delay="0"/>
-                            </p:stCondLst>
-                            <p:childTnLst>
-                              <p:par>
-                                <p:cTn id="17" presetID="2" presetClass="entr" presetSubtype="4" fill="hold" grpId="0" nodeType="clickEffect">
-                                  <p:stCondLst>
-                                    <p:cond delay="0"/>
-                                  </p:stCondLst>
-                                  <p:childTnLst>
-                                    <p:set>
-                                      <p:cBhvr>
-                                        <p:cTn id="18" dur="1" fill="hold">
-                                          <p:stCondLst>
-                                            <p:cond delay="0"/>
-                                          </p:stCondLst>
-                                        </p:cTn>
-                                        <p:tgtEl>
-                                          <p:spTgt spid="3">
-                                            <p:txEl>
-                                              <p:pRg st="2" end="2"/>
-                                            </p:txEl>
-                                          </p:spTgt>
-                                        </p:tgtEl>
-                                        <p:attrNameLst>
-                                          <p:attrName>style.visibility</p:attrName>
-                                        </p:attrNameLst>
-                                      </p:cBhvr>
-                                      <p:to>
-                                        <p:strVal val="visible"/>
-                                      </p:to>
-                                    </p:set>
-                                    <p:anim calcmode="lin" valueType="num">
-                                      <p:cBhvr additive="base">
-                                        <p:cTn id="19" dur="500" fill="hold"/>
-                                        <p:tgtEl>
-                                          <p:spTgt spid="3">
-                                            <p:txEl>
-                                              <p:pRg st="2" end="2"/>
-                                            </p:txEl>
-                                          </p:spTgt>
-                                        </p:tgtEl>
-                                        <p:attrNameLst>
-                                          <p:attrName>ppt_x</p:attrName>
-                                        </p:attrNameLst>
-                                      </p:cBhvr>
-                                      <p:tavLst>
-                                        <p:tav tm="0">
-                                          <p:val>
-                                            <p:strVal val="#ppt_x"/>
-                                          </p:val>
-                                        </p:tav>
-                                        <p:tav tm="100000">
-                                          <p:val>
-                                            <p:strVal val="#ppt_x"/>
-                                          </p:val>
-                                        </p:tav>
-                                      </p:tavLst>
-                                    </p:anim>
-                                    <p:anim calcmode="lin" valueType="num">
-                                      <p:cBhvr additive="base">
-                                        <p:cTn id="20" dur="500" fill="hold"/>
-                                        <p:tgtEl>
-                                          <p:spTgt spid="3">
-                                            <p:txEl>
-                                              <p:pRg st="2" end="2"/>
-                                            </p:txEl>
-                                          </p:spTgt>
-                                        </p:tgtEl>
-                                        <p:attrNameLst>
-                                          <p:attrName>ppt_y</p:attrName>
-                                        </p:attrNameLst>
-                                      </p:cBhvr>
-                                      <p:tavLst>
-                                        <p:tav tm="0">
-                                          <p:val>
-                                            <p:strVal val="1+#ppt_h/2"/>
-                                          </p:val>
-                                        </p:tav>
-                                        <p:tav tm="100000">
-                                          <p:val>
-                                            <p:strVal val="#ppt_y"/>
-                                          </p:val>
-                                        </p:tav>
-                                      </p:tavLst>
-                                    </p:anim>
-                                  </p:childTnLst>
-                                </p:cTn>
-                              </p:par>
-                            </p:childTnLst>
-                          </p:cTn>
-                        </p:par>
-                      </p:childTnLst>
-                    </p:cTn>
-                  </p:par>
-                </p:childTnLst>
-              </p:cTn>
-              <p:prevCondLst>
-                <p:cond evt="onPrev" delay="0">
-                  <p:tgtEl>
-                    <p:sldTgt/>
-                  </p:tgtEl>
-                </p:cond>
-              </p:prevCondLst>
-              <p:nextCondLst>
-                <p:cond evt="onNext" delay="0">
-                  <p:tgtEl>
-                    <p:sldTgt/>
-                  </p:tgtEl>
-                </p:cond>
-              </p:nextCondLst>
-            </p:seq>
-          </p:childTnLst>
-        </p:cTn>
-      </p:par>
-    </p:tnLst>
-    <p:bldLst>
-      <p:bldP spid="3" grpId="0" build="p"/>
-    </p:bldLst>
-  </p:timing>
-</p:sld>
-</file>
-
-<file path=ppt/slides/slide20.xml><?xml version="1.0" encoding="utf-8"?>
-<p:sld xmlns:a="http://schemas.openxmlformats.org/drawingml/2006/main" xmlns:r="http://schemas.openxmlformats.org/officeDocument/2006/relationships" xmlns:p="http://schemas.openxmlformats.org/presentationml/2006/main">
-  <p:cSld>
-    <p:spTree>
-      <p:nvGrpSpPr>
-        <p:cNvPr id="1" name=""/>
-        <p:cNvGrpSpPr/>
-        <p:nvPr/>
-      </p:nvGrpSpPr>
-      <p:grpSpPr>
-        <a:xfrm>
-          <a:off x="0" y="0"/>
-          <a:ext cx="0" cy="0"/>
-          <a:chOff x="0" y="0"/>
-          <a:chExt cx="0" cy="0"/>
-        </a:xfrm>
-      </p:grpSpPr>
-      <p:sp>
-        <p:nvSpPr>
-          <p:cNvPr id="2" name="Title 1"/>
-          <p:cNvSpPr>
-            <a:spLocks noGrp="1"/>
-          </p:cNvSpPr>
-          <p:nvPr>
-            <p:ph type="title"/>
-          </p:nvPr>
-        </p:nvSpPr>
-        <p:spPr/>
-        <p:txBody>
-          <a:bodyPr/>
-          <a:lstStyle/>
-          <a:p>
-            <a:r>
-              <a:rPr lang="en-US" dirty="0"/>
-              <a:t>Implementation</a:t>
-            </a:r>
-          </a:p>
-        </p:txBody>
-      </p:sp>
-      <mc:AlternateContent xmlns:mc="http://schemas.openxmlformats.org/markup-compatibility/2006" xmlns:a14="http://schemas.microsoft.com/office/drawing/2010/main">
-        <mc:Choice Requires="a14">
+      <mc:AlternateContent xmlns:mc="http://schemas.openxmlformats.org/markup-compatibility/2006">
+        <mc:Choice xmlns:a14="http://schemas.microsoft.com/office/drawing/2010/main" Requires="a14">
           <p:sp>
             <p:nvSpPr>
               <p:cNvPr id="3" name="Content Placeholder 2"/>
@@ -12069,9 +12797,10 @@
                   <a:t>	</a:t>
                 </a:r>
                 <a:r>
-                  <a:rPr lang="en-US" sz="1900" dirty="0"/>
-                  <a:t>Consistency,</a:t>
+                  <a:rPr lang="en-US" sz="1900" dirty="0" smtClean="0"/>
+                  <a:t>Consistency:</a:t>
                 </a:r>
+                <a:endParaRPr lang="en-US" sz="1900" dirty="0"/>
               </a:p>
               <a:p>
                 <a:pPr marL="0" indent="0">
@@ -12539,7 +13268,7 @@
             </p:txBody>
           </p:sp>
         </mc:Choice>
-        <mc:Fallback xmlns="">
+        <mc:Fallback>
           <p:sp>
             <p:nvSpPr>
               <p:cNvPr id="3" name="Content Placeholder 2"/>
@@ -12555,7 +13284,7 @@
                 <a:off x="677334" y="1894551"/>
                 <a:ext cx="8596668" cy="4255424"/>
               </a:xfrm>
-              <a:blipFill>
+              <a:blipFill rotWithShape="0">
                 <a:blip r:embed="rId2"/>
                 <a:stretch>
                   <a:fillRect l="-1064"/>
@@ -12590,7 +13319,7 @@
 </p:sld>
 </file>
 
-<file path=ppt/slides/slide21.xml><?xml version="1.0" encoding="utf-8"?>
+<file path=ppt/slides/slide26.xml><?xml version="1.0" encoding="utf-8"?>
 <p:sld xmlns:a="http://schemas.openxmlformats.org/drawingml/2006/main" xmlns:r="http://schemas.openxmlformats.org/officeDocument/2006/relationships" xmlns:p="http://schemas.openxmlformats.org/presentationml/2006/main">
   <p:cSld>
     <p:spTree>
@@ -12649,10 +13378,12 @@
             </a:pPr>
             <a:r>
               <a:rPr lang="en-US" dirty="0"/>
-              <a:t>1) https://www.kdnuggets.com/2017/05/ontology-simplest-definition.html</a:t>
-            </a:r>
-          </a:p>
-          <a:p>
+              <a:t>1) https://</a:t>
+            </a:r>
+            <a:r>
+              <a:rPr lang="en-US" dirty="0" smtClean="0"/>
+              <a:t>www.kdnuggets.com/2017/05/ontology-simplest-definition.html</a:t>
+            </a:r>
             <a:endParaRPr lang="en-US" dirty="0"/>
           </a:p>
           <a:p>
@@ -12669,8 +13400,126 @@
             </a:r>
             <a:r>
               <a:rPr lang="en-US" dirty="0"/>
-              <a:t> Saeki</a:t>
-            </a:r>
+              <a:t> </a:t>
+            </a:r>
+            <a:r>
+              <a:rPr lang="en-US" dirty="0" smtClean="0"/>
+              <a:t>Saeki</a:t>
+            </a:r>
+          </a:p>
+          <a:p>
+            <a:pPr marL="0" indent="0">
+              <a:buNone/>
+            </a:pPr>
+            <a:r>
+              <a:rPr lang="en-US" dirty="0" smtClean="0"/>
+              <a:t>3) </a:t>
+            </a:r>
+            <a:r>
+              <a:rPr lang="en-US" dirty="0"/>
+              <a:t>Using</a:t>
+            </a:r>
+            <a:r>
+              <a:rPr lang="en-US" b="1" dirty="0"/>
+              <a:t> </a:t>
+            </a:r>
+            <a:r>
+              <a:rPr lang="en-US" dirty="0"/>
+              <a:t>Domain Ontology as Domain Knowledge for Requirements </a:t>
+            </a:r>
+            <a:r>
+              <a:rPr lang="en-US" dirty="0" smtClean="0"/>
+              <a:t>Elicitation</a:t>
+            </a:r>
+          </a:p>
+          <a:p>
+            <a:pPr marL="0" indent="0">
+              <a:buNone/>
+            </a:pPr>
+            <a:r>
+              <a:rPr lang="en-US" dirty="0"/>
+              <a:t>	</a:t>
+            </a:r>
+            <a:r>
+              <a:rPr lang="en-US" dirty="0" smtClean="0"/>
+              <a:t>- b</a:t>
+            </a:r>
+            <a:r>
+              <a:rPr lang="en-US" b="1" dirty="0" smtClean="0"/>
+              <a:t>y </a:t>
+            </a:r>
+            <a:r>
+              <a:rPr lang="en-US" dirty="0"/>
+              <a:t>Haruhiko Kaiya and </a:t>
+            </a:r>
+            <a:r>
+              <a:rPr lang="en-US" dirty="0" err="1"/>
+              <a:t>Motoshi</a:t>
+            </a:r>
+            <a:r>
+              <a:rPr lang="en-US" dirty="0"/>
+              <a:t> </a:t>
+            </a:r>
+            <a:r>
+              <a:rPr lang="en-US" dirty="0" smtClean="0"/>
+              <a:t>Saeki</a:t>
+            </a:r>
+          </a:p>
+          <a:p>
+            <a:pPr marL="0" indent="0">
+              <a:buNone/>
+            </a:pPr>
+            <a:r>
+              <a:rPr lang="en-US" dirty="0" smtClean="0"/>
+              <a:t>4) </a:t>
+            </a:r>
+            <a:r>
+              <a:rPr lang="en-US" dirty="0" err="1"/>
+              <a:t>CodeOntology</a:t>
+            </a:r>
+            <a:r>
+              <a:rPr lang="en-US" dirty="0"/>
+              <a:t>: RDF-</a:t>
+            </a:r>
+            <a:r>
+              <a:rPr lang="en-US" dirty="0" err="1"/>
+              <a:t>ization</a:t>
+            </a:r>
+            <a:r>
+              <a:rPr lang="en-US" dirty="0"/>
+              <a:t> of Source </a:t>
+            </a:r>
+            <a:r>
+              <a:rPr lang="en-US" dirty="0" smtClean="0"/>
+              <a:t>Code – by </a:t>
+            </a:r>
+            <a:r>
+              <a:rPr lang="it-IT" dirty="0"/>
+              <a:t>Mattia Atzeni and Maurizio </a:t>
+            </a:r>
+            <a:r>
+              <a:rPr lang="it-IT" dirty="0" smtClean="0"/>
+              <a:t>		 Atzori</a:t>
+            </a:r>
+            <a:endParaRPr lang="en-US" dirty="0"/>
+          </a:p>
+          <a:p>
+            <a:pPr marL="0" indent="0">
+              <a:buNone/>
+            </a:pPr>
+            <a:r>
+              <a:rPr lang="en-US" dirty="0"/>
+              <a:t>5) </a:t>
+            </a:r>
+            <a:r>
+              <a:rPr lang="en-US" dirty="0" smtClean="0"/>
+              <a:t>Parser - https</a:t>
+            </a:r>
+            <a:r>
+              <a:rPr lang="en-US" dirty="0"/>
+              <a:t>://github.com/codeontology/parser</a:t>
+            </a:r>
+            <a:endParaRPr lang="en-US" dirty="0"/>
           </a:p>
           <a:p>
             <a:pPr marL="0" indent="0">
@@ -14134,8 +14983,21 @@
             </a:pPr>
             <a:r>
               <a:rPr lang="en-US" sz="2400" dirty="0"/>
-              <a:t>Measuring quality parameters such as:</a:t>
-            </a:r>
+              <a:t>Measuring quality parameters such </a:t>
+            </a:r>
+            <a:r>
+              <a:rPr lang="en-US" sz="2400" dirty="0" smtClean="0"/>
+              <a:t>as</a:t>
+            </a:r>
+            <a:r>
+              <a:rPr lang="en-US" sz="2400" baseline="30000" dirty="0"/>
+              <a:t>2</a:t>
+            </a:r>
+            <a:r>
+              <a:rPr lang="en-US" sz="2400" dirty="0" smtClean="0"/>
+              <a:t>:</a:t>
+            </a:r>
+            <a:endParaRPr lang="en-US" sz="2400" dirty="0"/>
           </a:p>
           <a:p>
             <a:pPr lvl="1">
@@ -15028,35 +15890,6 @@
           </a:p>
         </p:txBody>
       </p:sp>
-      <p:pic>
-        <p:nvPicPr>
-          <p:cNvPr id="4" name="Content Placeholder 3"/>
-          <p:cNvPicPr>
-            <a:picLocks noGrp="1" noChangeAspect="1"/>
-          </p:cNvPicPr>
-          <p:nvPr>
-            <p:ph idx="1"/>
-          </p:nvPr>
-        </p:nvPicPr>
-        <p:blipFill>
-          <a:blip r:embed="rId2">
-            <a:extLst>
-              <a:ext uri="{28A0092B-C50C-407E-A947-70E740481C1C}">
-                <a14:useLocalDpi xmlns:a14="http://schemas.microsoft.com/office/drawing/2010/main" val="0"/>
-              </a:ext>
-            </a:extLst>
-          </a:blip>
-          <a:stretch>
-            <a:fillRect/>
-          </a:stretch>
-        </p:blipFill>
-        <p:spPr>
-          <a:xfrm>
-            <a:off x="1027278" y="1555281"/>
-            <a:ext cx="7073233" cy="3881437"/>
-          </a:xfrm>
-        </p:spPr>
-      </p:pic>
       <p:sp>
         <p:nvSpPr>
           <p:cNvPr id="6" name="TextBox 5"/>
@@ -15081,15 +15914,42 @@
           <a:p>
             <a:r>
               <a:rPr lang="en-US" dirty="0"/>
-              <a:t>			Fig: Example of Ontology</a:t>
-            </a:r>
-            <a:r>
-              <a:rPr lang="en-US" baseline="30000" dirty="0"/>
-              <a:t>1</a:t>
-            </a:r>
+              <a:t>			Fig: Example </a:t>
+            </a:r>
+            <a:r>
+              <a:rPr lang="en-US" dirty="0" smtClean="0"/>
+              <a:t>of Bank Ontology</a:t>
+            </a:r>
+            <a:endParaRPr lang="en-US" baseline="30000" dirty="0"/>
           </a:p>
         </p:txBody>
       </p:sp>
+      <p:pic>
+        <p:nvPicPr>
+          <p:cNvPr id="5" name="Content Placeholder 4"/>
+          <p:cNvPicPr>
+            <a:picLocks noGrp="1" noChangeAspect="1"/>
+          </p:cNvPicPr>
+          <p:nvPr>
+            <p:ph idx="1"/>
+          </p:nvPr>
+        </p:nvPicPr>
+        <p:blipFill>
+          <a:blip r:embed="rId2"/>
+          <a:stretch>
+            <a:fillRect/>
+          </a:stretch>
+        </p:blipFill>
+        <p:spPr>
+          <a:xfrm>
+            <a:off x="1546540" y="1930400"/>
+            <a:ext cx="6373138" cy="3115469"/>
+          </a:xfrm>
+          <a:prstGeom prst="rect">
+            <a:avLst/>
+          </a:prstGeom>
+        </p:spPr>
+      </p:pic>
     </p:spTree>
     <p:extLst>
       <p:ext uri="{BB962C8B-B14F-4D97-AF65-F5344CB8AC3E}">
